--- a/documentation/slides.pptx
+++ b/documentation/slides.pptx
@@ -15858,6 +15858,54 @@
           </a:p>
         </p:txBody>
       </p:sp>
+      <p:sp>
+        <p:nvSpPr>
+          <p:cNvPr id="2" name="Rettangolo 1">
+            <a:extLst>
+              <a:ext uri="{FF2B5EF4-FFF2-40B4-BE49-F238E27FC236}">
+                <a16:creationId xmlns:a16="http://schemas.microsoft.com/office/drawing/2014/main" id="{B56AF3EF-6469-4E4A-AB66-089EC9A032D1}"/>
+              </a:ext>
+            </a:extLst>
+          </p:cNvPr>
+          <p:cNvSpPr/>
+          <p:nvPr/>
+        </p:nvSpPr>
+        <p:spPr>
+          <a:xfrm>
+            <a:off x="230698" y="5654357"/>
+            <a:ext cx="2739005" cy="523220"/>
+          </a:xfrm>
+          <a:prstGeom prst="rect">
+            <a:avLst/>
+          </a:prstGeom>
+        </p:spPr>
+        <p:txBody>
+          <a:bodyPr wrap="square">
+            <a:spAutoFit/>
+          </a:bodyPr>
+          <a:lstStyle/>
+          <a:p>
+            <a:r>
+              <a:rPr lang="en-US" dirty="0">
+                <a:solidFill>
+                  <a:srgbClr val="3A536D"/>
+                </a:solidFill>
+              </a:rPr>
+              <a:t>Simone Ripamonti (849786)</a:t>
+            </a:r>
+          </a:p>
+          <a:p>
+            <a:r>
+              <a:rPr lang="en-US" dirty="0">
+                <a:solidFill>
+                  <a:srgbClr val="3A536D"/>
+                </a:solidFill>
+              </a:rPr>
+              <a:t>Luca Stornaiuolo (864278)</a:t>
+            </a:r>
+          </a:p>
+        </p:txBody>
+      </p:sp>
     </p:spTree>
   </p:cSld>
   <p:clrMapOvr>
@@ -20054,7 +20102,7 @@
         <p:spPr>
           <a:xfrm>
             <a:off x="397369" y="1460673"/>
-            <a:ext cx="8349260" cy="3477875"/>
+            <a:ext cx="8349260" cy="3785652"/>
           </a:xfrm>
           <a:prstGeom prst="rect">
             <a:avLst/>
@@ -20295,7 +20343,7 @@
                   <a:srgbClr val="3B5998"/>
                 </a:solidFill>
               </a:rPr>
-              <a:t>SQL database provided by Heroku and </a:t>
+              <a:t>MySQL database provided by Heroku and </a:t>
             </a:r>
             <a:r>
               <a:rPr lang="en-US" sz="2000" dirty="0" err="1">
@@ -20364,6 +20412,20 @@
                 </a:solidFill>
               </a:rPr>
               <a:t>SQLite database to cache events and subscriptions retrieved from the web service</a:t>
+            </a:r>
+          </a:p>
+          <a:p>
+            <a:pPr marL="342900" indent="-342900">
+              <a:buFont typeface="Arial" panose="020B0604020202020204" pitchFamily="34" charset="0"/>
+              <a:buChar char="•"/>
+            </a:pPr>
+            <a:r>
+              <a:rPr lang="en-US" sz="2000" dirty="0">
+                <a:solidFill>
+                  <a:srgbClr val="3B5998"/>
+                </a:solidFill>
+              </a:rPr>
+              <a:t>Tables: events, users (both with timestamp)</a:t>
             </a:r>
           </a:p>
           <a:p>

--- a/documentation/slides.pptx
+++ b/documentation/slides.pptx
@@ -21465,7 +21465,7 @@
         <p:spPr>
           <a:xfrm>
             <a:off x="196085" y="787519"/>
-            <a:ext cx="7531492" cy="5632311"/>
+            <a:ext cx="7531492" cy="5324535"/>
           </a:xfrm>
           <a:prstGeom prst="rect">
             <a:avLst/>
@@ -21612,17 +21612,6 @@
               </a:rPr>
               <a:t>Provide a way to notify these events to the users</a:t>
             </a:r>
-          </a:p>
-          <a:p>
-            <a:pPr marL="342900" lvl="2" indent="-342900">
-              <a:buFont typeface="Arial" panose="020B0604020202020204" pitchFamily="34" charset="0"/>
-              <a:buChar char="•"/>
-            </a:pPr>
-            <a:endParaRPr lang="en-US" sz="2000" dirty="0">
-              <a:solidFill>
-                <a:srgbClr val="3A536D"/>
-              </a:solidFill>
-            </a:endParaRPr>
           </a:p>
           <a:p>
             <a:pPr marL="342900" lvl="2" indent="-342900">
@@ -23162,6 +23151,71 @@
                 <a:srgbClr val="3A536D"/>
               </a:solidFill>
             </a:endParaRPr>
+          </a:p>
+        </p:txBody>
+      </p:sp>
+      <p:pic>
+        <p:nvPicPr>
+          <p:cNvPr id="3" name="Immagine 2">
+            <a:extLst>
+              <a:ext uri="{FF2B5EF4-FFF2-40B4-BE49-F238E27FC236}">
+                <a16:creationId xmlns:a16="http://schemas.microsoft.com/office/drawing/2014/main" id="{E9A6C914-2559-439B-8599-BE844C5BEE77}"/>
+              </a:ext>
+            </a:extLst>
+          </p:cNvPr>
+          <p:cNvPicPr>
+            <a:picLocks noChangeAspect="1"/>
+          </p:cNvPicPr>
+          <p:nvPr/>
+        </p:nvPicPr>
+        <p:blipFill>
+          <a:blip r:embed="rId6"/>
+          <a:stretch>
+            <a:fillRect/>
+          </a:stretch>
+        </p:blipFill>
+        <p:spPr>
+          <a:xfrm>
+            <a:off x="6443400" y="898731"/>
+            <a:ext cx="2456139" cy="4366470"/>
+          </a:xfrm>
+          <a:prstGeom prst="rect">
+            <a:avLst/>
+          </a:prstGeom>
+        </p:spPr>
+      </p:pic>
+      <p:sp>
+        <p:nvSpPr>
+          <p:cNvPr id="4" name="CasellaDiTesto 3">
+            <a:extLst>
+              <a:ext uri="{FF2B5EF4-FFF2-40B4-BE49-F238E27FC236}">
+                <a16:creationId xmlns:a16="http://schemas.microsoft.com/office/drawing/2014/main" id="{E98E8570-80CB-490B-99B6-6C4208845B76}"/>
+              </a:ext>
+            </a:extLst>
+          </p:cNvPr>
+          <p:cNvSpPr txBox="1"/>
+          <p:nvPr/>
+        </p:nvSpPr>
+        <p:spPr>
+          <a:xfrm>
+            <a:off x="7206143" y="5255134"/>
+            <a:ext cx="1109599" cy="307777"/>
+          </a:xfrm>
+          <a:prstGeom prst="rect">
+            <a:avLst/>
+          </a:prstGeom>
+          <a:noFill/>
+        </p:spPr>
+        <p:txBody>
+          <a:bodyPr wrap="none" rtlCol="0">
+            <a:spAutoFit/>
+          </a:bodyPr>
+          <a:lstStyle/>
+          <a:p>
+            <a:r>
+              <a:rPr lang="en-US" dirty="0"/>
+              <a:t>Home page</a:t>
+            </a:r>
           </a:p>
         </p:txBody>
       </p:sp>
